--- a/MHW1.pptx
+++ b/MHW1.pptx
@@ -5038,10 +5038,10 @@
       </p:sp>
       <p:pic>
         <p:nvPicPr>
-          <p:cNvPr id="15" name="Immagine 14">
-            <a:extLst>
-              <a:ext uri="{FF2B5EF4-FFF2-40B4-BE49-F238E27FC236}">
-                <a16:creationId xmlns:a16="http://schemas.microsoft.com/office/drawing/2014/main" id="{7840102C-C024-436B-8ED3-05C46D132D23}"/>
+          <p:cNvPr id="4" name="Immagine 3">
+            <a:extLst>
+              <a:ext uri="{FF2B5EF4-FFF2-40B4-BE49-F238E27FC236}">
+                <a16:creationId xmlns:a16="http://schemas.microsoft.com/office/drawing/2014/main" id="{3B8F2F04-832F-4C23-99C6-1BB83DC55896}"/>
               </a:ext>
             </a:extLst>
           </p:cNvPr>
@@ -5058,234 +5058,14 @@
         </p:blipFill>
         <p:spPr>
           <a:xfrm>
-            <a:off x="4134811" y="296052"/>
-            <a:ext cx="4209090" cy="2266950"/>
+            <a:off x="4037827" y="10133"/>
+            <a:ext cx="8151126" cy="6837729"/>
           </a:xfrm>
           <a:prstGeom prst="rect">
             <a:avLst/>
           </a:prstGeom>
         </p:spPr>
       </p:pic>
-      <p:pic>
-        <p:nvPicPr>
-          <p:cNvPr id="19" name="Immagine 18">
-            <a:extLst>
-              <a:ext uri="{FF2B5EF4-FFF2-40B4-BE49-F238E27FC236}">
-                <a16:creationId xmlns:a16="http://schemas.microsoft.com/office/drawing/2014/main" id="{794D7E02-39E2-4813-B472-ADB5C4C22347}"/>
-              </a:ext>
-            </a:extLst>
-          </p:cNvPr>
-          <p:cNvPicPr>
-            <a:picLocks noChangeAspect="1"/>
-          </p:cNvPicPr>
-          <p:nvPr/>
-        </p:nvPicPr>
-        <p:blipFill>
-          <a:blip r:embed="rId3"/>
-          <a:stretch>
-            <a:fillRect/>
-          </a:stretch>
-        </p:blipFill>
-        <p:spPr>
-          <a:xfrm>
-            <a:off x="4134803" y="2674970"/>
-            <a:ext cx="4209090" cy="1866899"/>
-          </a:xfrm>
-          <a:prstGeom prst="rect">
-            <a:avLst/>
-          </a:prstGeom>
-        </p:spPr>
-      </p:pic>
-      <p:pic>
-        <p:nvPicPr>
-          <p:cNvPr id="22" name="Immagine 21">
-            <a:extLst>
-              <a:ext uri="{FF2B5EF4-FFF2-40B4-BE49-F238E27FC236}">
-                <a16:creationId xmlns:a16="http://schemas.microsoft.com/office/drawing/2014/main" id="{604C428D-FD78-46C0-B2EA-49F57F69D00B}"/>
-              </a:ext>
-            </a:extLst>
-          </p:cNvPr>
-          <p:cNvPicPr>
-            <a:picLocks noChangeAspect="1"/>
-          </p:cNvPicPr>
-          <p:nvPr/>
-        </p:nvPicPr>
-        <p:blipFill>
-          <a:blip r:embed="rId4"/>
-          <a:stretch>
-            <a:fillRect/>
-          </a:stretch>
-        </p:blipFill>
-        <p:spPr>
-          <a:xfrm>
-            <a:off x="4134794" y="4467223"/>
-            <a:ext cx="4209091" cy="2380637"/>
-          </a:xfrm>
-          <a:prstGeom prst="rect">
-            <a:avLst/>
-          </a:prstGeom>
-        </p:spPr>
-      </p:pic>
-      <p:pic>
-        <p:nvPicPr>
-          <p:cNvPr id="24" name="Immagine 23">
-            <a:extLst>
-              <a:ext uri="{FF2B5EF4-FFF2-40B4-BE49-F238E27FC236}">
-                <a16:creationId xmlns:a16="http://schemas.microsoft.com/office/drawing/2014/main" id="{B7CEACE7-72D6-49DE-8E97-696C79C592DD}"/>
-              </a:ext>
-            </a:extLst>
-          </p:cNvPr>
-          <p:cNvPicPr>
-            <a:picLocks noChangeAspect="1"/>
-          </p:cNvPicPr>
-          <p:nvPr/>
-        </p:nvPicPr>
-        <p:blipFill>
-          <a:blip r:embed="rId5"/>
-          <a:stretch>
-            <a:fillRect/>
-          </a:stretch>
-        </p:blipFill>
-        <p:spPr>
-          <a:xfrm>
-            <a:off x="9056736" y="333374"/>
-            <a:ext cx="2419365" cy="2219325"/>
-          </a:xfrm>
-          <a:prstGeom prst="rect">
-            <a:avLst/>
-          </a:prstGeom>
-        </p:spPr>
-      </p:pic>
-      <p:pic>
-        <p:nvPicPr>
-          <p:cNvPr id="26" name="Immagine 25">
-            <a:extLst>
-              <a:ext uri="{FF2B5EF4-FFF2-40B4-BE49-F238E27FC236}">
-                <a16:creationId xmlns:a16="http://schemas.microsoft.com/office/drawing/2014/main" id="{95B03F43-A770-4123-9AB7-53E44BF7591D}"/>
-              </a:ext>
-            </a:extLst>
-          </p:cNvPr>
-          <p:cNvPicPr>
-            <a:picLocks noChangeAspect="1"/>
-          </p:cNvPicPr>
-          <p:nvPr/>
-        </p:nvPicPr>
-        <p:blipFill>
-          <a:blip r:embed="rId6"/>
-          <a:stretch>
-            <a:fillRect/>
-          </a:stretch>
-        </p:blipFill>
-        <p:spPr>
-          <a:xfrm>
-            <a:off x="9056732" y="2610464"/>
-            <a:ext cx="2419365" cy="2018686"/>
-          </a:xfrm>
-          <a:prstGeom prst="rect">
-            <a:avLst/>
-          </a:prstGeom>
-        </p:spPr>
-      </p:pic>
-      <p:pic>
-        <p:nvPicPr>
-          <p:cNvPr id="28" name="Immagine 27">
-            <a:extLst>
-              <a:ext uri="{FF2B5EF4-FFF2-40B4-BE49-F238E27FC236}">
-                <a16:creationId xmlns:a16="http://schemas.microsoft.com/office/drawing/2014/main" id="{24C30635-F743-4F6B-B31B-98BE2A4D657F}"/>
-              </a:ext>
-            </a:extLst>
-          </p:cNvPr>
-          <p:cNvPicPr>
-            <a:picLocks noChangeAspect="1"/>
-          </p:cNvPicPr>
-          <p:nvPr/>
-        </p:nvPicPr>
-        <p:blipFill>
-          <a:blip r:embed="rId7"/>
-          <a:stretch>
-            <a:fillRect/>
-          </a:stretch>
-        </p:blipFill>
-        <p:spPr>
-          <a:xfrm>
-            <a:off x="9053684" y="4544162"/>
-            <a:ext cx="2419365" cy="2303698"/>
-          </a:xfrm>
-          <a:prstGeom prst="rect">
-            <a:avLst/>
-          </a:prstGeom>
-        </p:spPr>
-      </p:pic>
-      <p:sp>
-        <p:nvSpPr>
-          <p:cNvPr id="29" name="CasellaDiTesto 28">
-            <a:extLst>
-              <a:ext uri="{FF2B5EF4-FFF2-40B4-BE49-F238E27FC236}">
-                <a16:creationId xmlns:a16="http://schemas.microsoft.com/office/drawing/2014/main" id="{C87E0496-6A68-4955-A941-7EBE703FD758}"/>
-              </a:ext>
-            </a:extLst>
-          </p:cNvPr>
-          <p:cNvSpPr txBox="1"/>
-          <p:nvPr/>
-        </p:nvSpPr>
-        <p:spPr>
-          <a:xfrm>
-            <a:off x="4267200" y="10138"/>
-            <a:ext cx="3533775" cy="369332"/>
-          </a:xfrm>
-          <a:prstGeom prst="rect">
-            <a:avLst/>
-          </a:prstGeom>
-          <a:noFill/>
-        </p:spPr>
-        <p:txBody>
-          <a:bodyPr wrap="square" rtlCol="0">
-            <a:spAutoFit/>
-          </a:bodyPr>
-          <a:lstStyle/>
-          <a:p>
-            <a:r>
-              <a:rPr lang="it-IT" dirty="0"/>
-              <a:t>Versione desktop</a:t>
-            </a:r>
-          </a:p>
-        </p:txBody>
-      </p:sp>
-      <p:sp>
-        <p:nvSpPr>
-          <p:cNvPr id="30" name="CasellaDiTesto 29">
-            <a:extLst>
-              <a:ext uri="{FF2B5EF4-FFF2-40B4-BE49-F238E27FC236}">
-                <a16:creationId xmlns:a16="http://schemas.microsoft.com/office/drawing/2014/main" id="{4538A569-A755-47AC-BE12-87F8E11AF164}"/>
-              </a:ext>
-            </a:extLst>
-          </p:cNvPr>
-          <p:cNvSpPr txBox="1"/>
-          <p:nvPr/>
-        </p:nvSpPr>
-        <p:spPr>
-          <a:xfrm>
-            <a:off x="9053684" y="0"/>
-            <a:ext cx="2419365" cy="369332"/>
-          </a:xfrm>
-          <a:prstGeom prst="rect">
-            <a:avLst/>
-          </a:prstGeom>
-          <a:noFill/>
-        </p:spPr>
-        <p:txBody>
-          <a:bodyPr wrap="square" rtlCol="0">
-            <a:spAutoFit/>
-          </a:bodyPr>
-          <a:lstStyle/>
-          <a:p>
-            <a:r>
-              <a:rPr lang="it-IT" dirty="0"/>
-              <a:t>Versione mobile</a:t>
-            </a:r>
-          </a:p>
-        </p:txBody>
-      </p:sp>
     </p:spTree>
     <p:extLst>
       <p:ext uri="{BB962C8B-B14F-4D97-AF65-F5344CB8AC3E}">
